--- a/pptx/flyer-a4-portrait-duplex.pptx
+++ b/pptx/flyer-a4-portrait-duplex.pptx
@@ -12,7 +12,7 @@
     <p:sldId id="258" r:id="rId3"/>
   </p:sldIdLst>
   <p:sldSz cx="6950075" cy="10058400"/>
-  <p:notesSz cx="7010400" cy="9296400"/>
+  <p:notesSz cx="6797675" cy="9926638"/>
   <p:defaultTextStyle>
     <a:defPPr>
       <a:defRPr lang="en-US"/>
@@ -146,7 +146,7 @@
         <p:spPr>
           <a:xfrm>
             <a:off x="0" y="0"/>
-            <a:ext cx="3038475" cy="465138"/>
+            <a:ext cx="2946275" cy="496671"/>
           </a:xfrm>
           <a:prstGeom prst="rect">
             <a:avLst/>
@@ -176,8 +176,8 @@
         </p:nvSpPr>
         <p:spPr>
           <a:xfrm>
-            <a:off x="3970338" y="0"/>
-            <a:ext cx="3038475" cy="465138"/>
+            <a:off x="3849862" y="0"/>
+            <a:ext cx="2946275" cy="496671"/>
           </a:xfrm>
           <a:prstGeom prst="rect">
             <a:avLst/>
@@ -194,7 +194,7 @@
             <a:fld id="{B1073CF1-E160-4966-A188-B2E54F868021}" type="datetimeFigureOut">
               <a:rPr lang="en-US" smtClean="0"/>
               <a:pPr/>
-              <a:t>3/17/2023</a:t>
+              <a:t>3/23/2023</a:t>
             </a:fld>
             <a:endParaRPr lang="en-US"/>
           </a:p>
@@ -212,8 +212,8 @@
         </p:nvSpPr>
         <p:spPr>
           <a:xfrm>
-            <a:off x="2300288" y="696913"/>
-            <a:ext cx="2409825" cy="3486150"/>
+            <a:off x="2112963" y="744538"/>
+            <a:ext cx="2571750" cy="3722687"/>
           </a:xfrm>
           <a:prstGeom prst="rect">
             <a:avLst/>
@@ -245,8 +245,8 @@
         </p:nvSpPr>
         <p:spPr>
           <a:xfrm>
-            <a:off x="701675" y="4416425"/>
-            <a:ext cx="5607050" cy="4183063"/>
+            <a:off x="680383" y="4715831"/>
+            <a:ext cx="5436909" cy="4466649"/>
           </a:xfrm>
           <a:prstGeom prst="rect">
             <a:avLst/>
@@ -307,8 +307,8 @@
         </p:nvSpPr>
         <p:spPr>
           <a:xfrm>
-            <a:off x="0" y="8829675"/>
-            <a:ext cx="3038475" cy="465138"/>
+            <a:off x="0" y="9428272"/>
+            <a:ext cx="2946275" cy="496671"/>
           </a:xfrm>
           <a:prstGeom prst="rect">
             <a:avLst/>
@@ -338,8 +338,8 @@
         </p:nvSpPr>
         <p:spPr>
           <a:xfrm>
-            <a:off x="3970338" y="8829675"/>
-            <a:ext cx="3038475" cy="465138"/>
+            <a:off x="3849862" y="9428272"/>
+            <a:ext cx="2946275" cy="496671"/>
           </a:xfrm>
           <a:prstGeom prst="rect">
             <a:avLst/>
@@ -806,7 +806,7 @@
             <a:fld id="{FFAEE2A6-3326-4110-86FD-7999FAF84882}" type="datetimeFigureOut">
               <a:rPr lang="en-US" smtClean="0"/>
               <a:pPr/>
-              <a:t>3/17/2023</a:t>
+              <a:t>3/23/2023</a:t>
             </a:fld>
             <a:endParaRPr lang="en-US"/>
           </a:p>
@@ -973,7 +973,7 @@
             <a:fld id="{FFAEE2A6-3326-4110-86FD-7999FAF84882}" type="datetimeFigureOut">
               <a:rPr lang="en-US" smtClean="0"/>
               <a:pPr/>
-              <a:t>3/17/2023</a:t>
+              <a:t>3/23/2023</a:t>
             </a:fld>
             <a:endParaRPr lang="en-US"/>
           </a:p>
@@ -1150,7 +1150,7 @@
             <a:fld id="{FFAEE2A6-3326-4110-86FD-7999FAF84882}" type="datetimeFigureOut">
               <a:rPr lang="en-US" smtClean="0"/>
               <a:pPr/>
-              <a:t>3/17/2023</a:t>
+              <a:t>3/23/2023</a:t>
             </a:fld>
             <a:endParaRPr lang="en-US"/>
           </a:p>
@@ -1317,7 +1317,7 @@
             <a:fld id="{FFAEE2A6-3326-4110-86FD-7999FAF84882}" type="datetimeFigureOut">
               <a:rPr lang="en-US" smtClean="0"/>
               <a:pPr/>
-              <a:t>3/17/2023</a:t>
+              <a:t>3/23/2023</a:t>
             </a:fld>
             <a:endParaRPr lang="en-US"/>
           </a:p>
@@ -1560,7 +1560,7 @@
             <a:fld id="{FFAEE2A6-3326-4110-86FD-7999FAF84882}" type="datetimeFigureOut">
               <a:rPr lang="en-US" smtClean="0"/>
               <a:pPr/>
-              <a:t>3/17/2023</a:t>
+              <a:t>3/23/2023</a:t>
             </a:fld>
             <a:endParaRPr lang="en-US"/>
           </a:p>
@@ -1845,7 +1845,7 @@
             <a:fld id="{FFAEE2A6-3326-4110-86FD-7999FAF84882}" type="datetimeFigureOut">
               <a:rPr lang="en-US" smtClean="0"/>
               <a:pPr/>
-              <a:t>3/17/2023</a:t>
+              <a:t>3/23/2023</a:t>
             </a:fld>
             <a:endParaRPr lang="en-US"/>
           </a:p>
@@ -2264,7 +2264,7 @@
             <a:fld id="{FFAEE2A6-3326-4110-86FD-7999FAF84882}" type="datetimeFigureOut">
               <a:rPr lang="en-US" smtClean="0"/>
               <a:pPr/>
-              <a:t>3/17/2023</a:t>
+              <a:t>3/23/2023</a:t>
             </a:fld>
             <a:endParaRPr lang="en-US"/>
           </a:p>
@@ -2379,7 +2379,7 @@
             <a:fld id="{FFAEE2A6-3326-4110-86FD-7999FAF84882}" type="datetimeFigureOut">
               <a:rPr lang="en-US" smtClean="0"/>
               <a:pPr/>
-              <a:t>3/17/2023</a:t>
+              <a:t>3/23/2023</a:t>
             </a:fld>
             <a:endParaRPr lang="en-US"/>
           </a:p>
@@ -2471,7 +2471,7 @@
             <a:fld id="{FFAEE2A6-3326-4110-86FD-7999FAF84882}" type="datetimeFigureOut">
               <a:rPr lang="en-US" smtClean="0"/>
               <a:pPr/>
-              <a:t>3/17/2023</a:t>
+              <a:t>3/23/2023</a:t>
             </a:fld>
             <a:endParaRPr lang="en-US"/>
           </a:p>
@@ -2745,7 +2745,7 @@
             <a:fld id="{FFAEE2A6-3326-4110-86FD-7999FAF84882}" type="datetimeFigureOut">
               <a:rPr lang="en-US" smtClean="0"/>
               <a:pPr/>
-              <a:t>3/17/2023</a:t>
+              <a:t>3/23/2023</a:t>
             </a:fld>
             <a:endParaRPr lang="en-US"/>
           </a:p>
@@ -2995,7 +2995,7 @@
             <a:fld id="{FFAEE2A6-3326-4110-86FD-7999FAF84882}" type="datetimeFigureOut">
               <a:rPr lang="en-US" smtClean="0"/>
               <a:pPr/>
-              <a:t>3/17/2023</a:t>
+              <a:t>3/23/2023</a:t>
             </a:fld>
             <a:endParaRPr lang="en-US"/>
           </a:p>
@@ -3205,7 +3205,7 @@
             <a:fld id="{FFAEE2A6-3326-4110-86FD-7999FAF84882}" type="datetimeFigureOut">
               <a:rPr lang="en-US" smtClean="0"/>
               <a:pPr/>
-              <a:t>3/17/2023</a:t>
+              <a:t>3/23/2023</a:t>
             </a:fld>
             <a:endParaRPr lang="en-US"/>
           </a:p>

--- a/pptx/flyer-a4-portrait-duplex.pptx
+++ b/pptx/flyer-a4-portrait-duplex.pptx
@@ -194,7 +194,7 @@
             <a:fld id="{B1073CF1-E160-4966-A188-B2E54F868021}" type="datetimeFigureOut">
               <a:rPr lang="en-US" smtClean="0"/>
               <a:pPr/>
-              <a:t>3/23/2023</a:t>
+              <a:t>4/4/2023</a:t>
             </a:fld>
             <a:endParaRPr lang="en-US"/>
           </a:p>
@@ -806,7 +806,7 @@
             <a:fld id="{FFAEE2A6-3326-4110-86FD-7999FAF84882}" type="datetimeFigureOut">
               <a:rPr lang="en-US" smtClean="0"/>
               <a:pPr/>
-              <a:t>3/23/2023</a:t>
+              <a:t>4/4/2023</a:t>
             </a:fld>
             <a:endParaRPr lang="en-US"/>
           </a:p>
@@ -973,7 +973,7 @@
             <a:fld id="{FFAEE2A6-3326-4110-86FD-7999FAF84882}" type="datetimeFigureOut">
               <a:rPr lang="en-US" smtClean="0"/>
               <a:pPr/>
-              <a:t>3/23/2023</a:t>
+              <a:t>4/4/2023</a:t>
             </a:fld>
             <a:endParaRPr lang="en-US"/>
           </a:p>
@@ -1150,7 +1150,7 @@
             <a:fld id="{FFAEE2A6-3326-4110-86FD-7999FAF84882}" type="datetimeFigureOut">
               <a:rPr lang="en-US" smtClean="0"/>
               <a:pPr/>
-              <a:t>3/23/2023</a:t>
+              <a:t>4/4/2023</a:t>
             </a:fld>
             <a:endParaRPr lang="en-US"/>
           </a:p>
@@ -1317,7 +1317,7 @@
             <a:fld id="{FFAEE2A6-3326-4110-86FD-7999FAF84882}" type="datetimeFigureOut">
               <a:rPr lang="en-US" smtClean="0"/>
               <a:pPr/>
-              <a:t>3/23/2023</a:t>
+              <a:t>4/4/2023</a:t>
             </a:fld>
             <a:endParaRPr lang="en-US"/>
           </a:p>
@@ -1560,7 +1560,7 @@
             <a:fld id="{FFAEE2A6-3326-4110-86FD-7999FAF84882}" type="datetimeFigureOut">
               <a:rPr lang="en-US" smtClean="0"/>
               <a:pPr/>
-              <a:t>3/23/2023</a:t>
+              <a:t>4/4/2023</a:t>
             </a:fld>
             <a:endParaRPr lang="en-US"/>
           </a:p>
@@ -1845,7 +1845,7 @@
             <a:fld id="{FFAEE2A6-3326-4110-86FD-7999FAF84882}" type="datetimeFigureOut">
               <a:rPr lang="en-US" smtClean="0"/>
               <a:pPr/>
-              <a:t>3/23/2023</a:t>
+              <a:t>4/4/2023</a:t>
             </a:fld>
             <a:endParaRPr lang="en-US"/>
           </a:p>
@@ -2264,7 +2264,7 @@
             <a:fld id="{FFAEE2A6-3326-4110-86FD-7999FAF84882}" type="datetimeFigureOut">
               <a:rPr lang="en-US" smtClean="0"/>
               <a:pPr/>
-              <a:t>3/23/2023</a:t>
+              <a:t>4/4/2023</a:t>
             </a:fld>
             <a:endParaRPr lang="en-US"/>
           </a:p>
@@ -2379,7 +2379,7 @@
             <a:fld id="{FFAEE2A6-3326-4110-86FD-7999FAF84882}" type="datetimeFigureOut">
               <a:rPr lang="en-US" smtClean="0"/>
               <a:pPr/>
-              <a:t>3/23/2023</a:t>
+              <a:t>4/4/2023</a:t>
             </a:fld>
             <a:endParaRPr lang="en-US"/>
           </a:p>
@@ -2471,7 +2471,7 @@
             <a:fld id="{FFAEE2A6-3326-4110-86FD-7999FAF84882}" type="datetimeFigureOut">
               <a:rPr lang="en-US" smtClean="0"/>
               <a:pPr/>
-              <a:t>3/23/2023</a:t>
+              <a:t>4/4/2023</a:t>
             </a:fld>
             <a:endParaRPr lang="en-US"/>
           </a:p>
@@ -2745,7 +2745,7 @@
             <a:fld id="{FFAEE2A6-3326-4110-86FD-7999FAF84882}" type="datetimeFigureOut">
               <a:rPr lang="en-US" smtClean="0"/>
               <a:pPr/>
-              <a:t>3/23/2023</a:t>
+              <a:t>4/4/2023</a:t>
             </a:fld>
             <a:endParaRPr lang="en-US"/>
           </a:p>
@@ -2995,7 +2995,7 @@
             <a:fld id="{FFAEE2A6-3326-4110-86FD-7999FAF84882}" type="datetimeFigureOut">
               <a:rPr lang="en-US" smtClean="0"/>
               <a:pPr/>
-              <a:t>3/23/2023</a:t>
+              <a:t>4/4/2023</a:t>
             </a:fld>
             <a:endParaRPr lang="en-US"/>
           </a:p>
@@ -3205,7 +3205,7 @@
             <a:fld id="{FFAEE2A6-3326-4110-86FD-7999FAF84882}" type="datetimeFigureOut">
               <a:rPr lang="en-US" smtClean="0"/>
               <a:pPr/>
-              <a:t>3/23/2023</a:t>
+              <a:t>4/4/2023</a:t>
             </a:fld>
             <a:endParaRPr lang="en-US"/>
           </a:p>
@@ -3706,7 +3706,7 @@
               </a:ln>
             </p:spPr>
             <p:txBody>
-              <a:bodyPr vert="vert" wrap="none" lIns="45720" tIns="182880" rIns="45720" bIns="0" rtlCol="0" anchor="ctr" anchorCtr="0">
+              <a:bodyPr vert="vert" wrap="none" lIns="45720" tIns="274320" rIns="45720" bIns="0" rtlCol="0" anchor="ctr" anchorCtr="0">
                 <a:normAutofit/>
               </a:bodyPr>
               <a:lstStyle/>
@@ -3750,7 +3750,7 @@
               </a:ln>
             </p:spPr>
             <p:txBody>
-              <a:bodyPr vert="vert" wrap="none" lIns="45720" tIns="182880" rIns="45720" bIns="0" rtlCol="0" anchor="ctr" anchorCtr="0">
+              <a:bodyPr vert="vert" wrap="none" lIns="45720" tIns="274320" rIns="45720" bIns="0" rtlCol="0" anchor="ctr" anchorCtr="0">
                 <a:normAutofit/>
               </a:bodyPr>
               <a:lstStyle/>
@@ -3794,7 +3794,7 @@
               </a:ln>
             </p:spPr>
             <p:txBody>
-              <a:bodyPr vert="vert" wrap="none" lIns="45720" tIns="182880" rIns="45720" bIns="0" rtlCol="0" anchor="ctr" anchorCtr="0">
+              <a:bodyPr vert="vert" wrap="none" lIns="45720" tIns="274320" rIns="45720" bIns="0" rtlCol="0" anchor="ctr" anchorCtr="0">
                 <a:normAutofit/>
               </a:bodyPr>
               <a:lstStyle/>
@@ -3838,7 +3838,7 @@
               </a:ln>
             </p:spPr>
             <p:txBody>
-              <a:bodyPr vert="vert" wrap="none" lIns="45720" tIns="182880" rIns="45720" bIns="0" rtlCol="0" anchor="ctr" anchorCtr="0">
+              <a:bodyPr vert="vert" wrap="none" lIns="45720" tIns="274320" rIns="45720" bIns="0" rtlCol="0" anchor="ctr" anchorCtr="0">
                 <a:normAutofit/>
               </a:bodyPr>
               <a:lstStyle/>
@@ -3882,7 +3882,7 @@
               </a:ln>
             </p:spPr>
             <p:txBody>
-              <a:bodyPr vert="vert" wrap="none" lIns="45720" tIns="182880" rIns="45720" bIns="0" rtlCol="0" anchor="ctr" anchorCtr="0">
+              <a:bodyPr vert="vert" wrap="none" lIns="45720" tIns="274320" rIns="45720" bIns="0" rtlCol="0" anchor="ctr" anchorCtr="0">
                 <a:normAutofit/>
               </a:bodyPr>
               <a:lstStyle/>
@@ -3926,7 +3926,7 @@
               </a:ln>
             </p:spPr>
             <p:txBody>
-              <a:bodyPr vert="vert" wrap="none" lIns="45720" tIns="182880" rIns="45720" bIns="0" rtlCol="0" anchor="ctr" anchorCtr="0">
+              <a:bodyPr vert="vert" wrap="none" lIns="45720" tIns="274320" rIns="45720" bIns="0" rtlCol="0" anchor="ctr" anchorCtr="0">
                 <a:normAutofit/>
               </a:bodyPr>
               <a:lstStyle/>
@@ -3970,7 +3970,7 @@
               </a:ln>
             </p:spPr>
             <p:txBody>
-              <a:bodyPr vert="vert" wrap="none" lIns="45720" tIns="182880" rIns="45720" bIns="0" rtlCol="0" anchor="ctr" anchorCtr="0">
+              <a:bodyPr vert="vert" wrap="none" lIns="45720" tIns="274320" rIns="45720" bIns="0" rtlCol="0" anchor="ctr" anchorCtr="0">
                 <a:normAutofit/>
               </a:bodyPr>
               <a:lstStyle/>
@@ -4014,7 +4014,7 @@
               </a:ln>
             </p:spPr>
             <p:txBody>
-              <a:bodyPr vert="vert" wrap="none" lIns="45720" tIns="182880" rIns="45720" bIns="0" rtlCol="0" anchor="ctr" anchorCtr="0">
+              <a:bodyPr vert="vert" wrap="none" lIns="45720" tIns="274320" rIns="45720" bIns="0" rtlCol="0" anchor="ctr" anchorCtr="0">
                 <a:normAutofit/>
               </a:bodyPr>
               <a:lstStyle/>
@@ -4058,7 +4058,7 @@
               </a:ln>
             </p:spPr>
             <p:txBody>
-              <a:bodyPr vert="vert" wrap="none" lIns="45720" tIns="182880" rIns="45720" bIns="0" rtlCol="0" anchor="ctr" anchorCtr="0">
+              <a:bodyPr vert="vert" wrap="none" lIns="45720" tIns="274320" rIns="45720" bIns="0" rtlCol="0" anchor="ctr" anchorCtr="0">
                 <a:normAutofit/>
               </a:bodyPr>
               <a:lstStyle/>
@@ -4102,7 +4102,7 @@
               </a:ln>
             </p:spPr>
             <p:txBody>
-              <a:bodyPr vert="vert" wrap="none" lIns="45720" tIns="182880" rIns="45720" bIns="0" rtlCol="0" anchor="ctr" anchorCtr="0">
+              <a:bodyPr vert="vert" wrap="none" lIns="45720" tIns="274320" rIns="45720" bIns="0" rtlCol="0" anchor="ctr" anchorCtr="0">
                 <a:normAutofit/>
               </a:bodyPr>
               <a:lstStyle/>
@@ -4612,7 +4612,7 @@
               </a:ln>
             </p:spPr>
             <p:txBody>
-              <a:bodyPr vert="vert" wrap="none" lIns="45720" tIns="182880" rIns="45720" bIns="0" rtlCol="0" anchor="ctr" anchorCtr="0">
+              <a:bodyPr vert="vert" wrap="none" lIns="45720" tIns="274320" rIns="45720" bIns="0" rtlCol="0" anchor="ctr" anchorCtr="0">
                 <a:normAutofit/>
               </a:bodyPr>
               <a:lstStyle/>
@@ -4674,7 +4674,7 @@
               </a:ln>
             </p:spPr>
             <p:txBody>
-              <a:bodyPr vert="vert" wrap="none" lIns="45720" tIns="182880" rIns="45720" bIns="0" rtlCol="0" anchor="ctr" anchorCtr="0">
+              <a:bodyPr vert="vert" wrap="none" lIns="45720" tIns="274320" rIns="45720" bIns="0" rtlCol="0" anchor="ctr" anchorCtr="0">
                 <a:normAutofit/>
               </a:bodyPr>
               <a:lstStyle/>
@@ -4736,7 +4736,7 @@
               </a:ln>
             </p:spPr>
             <p:txBody>
-              <a:bodyPr vert="vert" wrap="none" lIns="45720" tIns="182880" rIns="45720" bIns="0" rtlCol="0" anchor="ctr" anchorCtr="0">
+              <a:bodyPr vert="vert" wrap="none" lIns="45720" tIns="274320" rIns="45720" bIns="0" rtlCol="0" anchor="ctr" anchorCtr="0">
                 <a:normAutofit/>
               </a:bodyPr>
               <a:lstStyle/>
@@ -4798,7 +4798,7 @@
               </a:ln>
             </p:spPr>
             <p:txBody>
-              <a:bodyPr vert="vert" wrap="none" lIns="45720" tIns="182880" rIns="45720" bIns="0" rtlCol="0" anchor="ctr" anchorCtr="0">
+              <a:bodyPr vert="vert" wrap="none" lIns="45720" tIns="274320" rIns="45720" bIns="0" rtlCol="0" anchor="ctr" anchorCtr="0">
                 <a:normAutofit/>
               </a:bodyPr>
               <a:lstStyle/>
@@ -4860,7 +4860,7 @@
               </a:ln>
             </p:spPr>
             <p:txBody>
-              <a:bodyPr vert="vert" wrap="none" lIns="45720" tIns="182880" rIns="45720" bIns="0" rtlCol="0" anchor="ctr" anchorCtr="0">
+              <a:bodyPr vert="vert" wrap="none" lIns="45720" tIns="274320" rIns="45720" bIns="0" rtlCol="0" anchor="ctr" anchorCtr="0">
                 <a:normAutofit/>
               </a:bodyPr>
               <a:lstStyle/>
@@ -4922,7 +4922,7 @@
               </a:ln>
             </p:spPr>
             <p:txBody>
-              <a:bodyPr vert="vert" wrap="none" lIns="45720" tIns="182880" rIns="45720" bIns="0" rtlCol="0" anchor="ctr" anchorCtr="0">
+              <a:bodyPr vert="vert" wrap="none" lIns="45720" tIns="274320" rIns="45720" bIns="0" rtlCol="0" anchor="ctr" anchorCtr="0">
                 <a:normAutofit/>
               </a:bodyPr>
               <a:lstStyle/>
@@ -4984,7 +4984,7 @@
               </a:ln>
             </p:spPr>
             <p:txBody>
-              <a:bodyPr vert="vert" wrap="none" lIns="45720" tIns="182880" rIns="45720" bIns="0" rtlCol="0" anchor="ctr" anchorCtr="0">
+              <a:bodyPr vert="vert" wrap="none" lIns="45720" tIns="274320" rIns="45720" bIns="0" rtlCol="0" anchor="ctr" anchorCtr="0">
                 <a:normAutofit/>
               </a:bodyPr>
               <a:lstStyle/>
@@ -5046,7 +5046,7 @@
               </a:ln>
             </p:spPr>
             <p:txBody>
-              <a:bodyPr vert="vert" wrap="none" lIns="45720" tIns="182880" rIns="45720" bIns="0" rtlCol="0" anchor="ctr" anchorCtr="0">
+              <a:bodyPr vert="vert" wrap="none" lIns="45720" tIns="274320" rIns="45720" bIns="0" rtlCol="0" anchor="ctr" anchorCtr="0">
                 <a:normAutofit/>
               </a:bodyPr>
               <a:lstStyle/>
@@ -5108,7 +5108,7 @@
               </a:ln>
             </p:spPr>
             <p:txBody>
-              <a:bodyPr vert="vert" wrap="none" lIns="45720" tIns="182880" rIns="45720" bIns="0" rtlCol="0" anchor="ctr" anchorCtr="0">
+              <a:bodyPr vert="vert" wrap="none" lIns="45720" tIns="274320" rIns="45720" bIns="0" rtlCol="0" anchor="ctr" anchorCtr="0">
                 <a:normAutofit/>
               </a:bodyPr>
               <a:lstStyle/>
@@ -5170,7 +5170,7 @@
               </a:ln>
             </p:spPr>
             <p:txBody>
-              <a:bodyPr vert="vert" wrap="none" lIns="45720" tIns="182880" rIns="45720" bIns="0" rtlCol="0" anchor="ctr" anchorCtr="0">
+              <a:bodyPr vert="vert" wrap="none" lIns="45720" tIns="274320" rIns="45720" bIns="0" rtlCol="0" anchor="ctr" anchorCtr="0">
                 <a:normAutofit/>
               </a:bodyPr>
               <a:lstStyle/>
